--- a/materials/slides/ch15.pptx
+++ b/materials/slides/ch15.pptx
@@ -53,20 +53,20 @@
   <p:notesSz cx="6858000" cy="9144000"/>
   <p:embeddedFontLst>
     <p:embeddedFont>
-      <p:font typeface="微软雅黑" panose="020B0503020204020204" pitchFamily="34" charset="-122"/>
+      <p:font typeface="Calibri" panose="020F0502020204030204" pitchFamily="34" charset="0"/>
       <p:regular r:id="rId43"/>
       <p:bold r:id="rId44"/>
-    </p:embeddedFont>
-    <p:embeddedFont>
-      <p:font typeface="Calibri" panose="020F0502020204030204" pitchFamily="34" charset="0"/>
-      <p:regular r:id="rId45"/>
-      <p:bold r:id="rId46"/>
-      <p:italic r:id="rId47"/>
-      <p:boldItalic r:id="rId48"/>
+      <p:italic r:id="rId45"/>
+      <p:boldItalic r:id="rId46"/>
     </p:embeddedFont>
     <p:embeddedFont>
       <p:font typeface="黑体" panose="02010609060101010101" pitchFamily="49" charset="-122"/>
-      <p:regular r:id="rId49"/>
+      <p:regular r:id="rId47"/>
+    </p:embeddedFont>
+    <p:embeddedFont>
+      <p:font typeface="微软雅黑" panose="020B0503020204020204" pitchFamily="34" charset="-122"/>
+      <p:regular r:id="rId48"/>
+      <p:bold r:id="rId49"/>
     </p:embeddedFont>
   </p:embeddedFontLst>
   <p:defaultTextStyle>
@@ -213,10 +213,6 @@
 </p:presentation>
 </file>
 
-<file path=ppt/revisionInfo.xml><?xml version="1.0" encoding="utf-8"?>
-<p1510:revInfo xmlns:a="http://schemas.openxmlformats.org/drawingml/2006/main" xmlns:r="http://schemas.openxmlformats.org/officeDocument/2006/relationships" xmlns:p1510="http://schemas.microsoft.com/office/powerpoint/2015/10/main"/>
-</file>
-
 <file path=ppt/notesMasters/notesMaster1.xml><?xml version="1.0" encoding="utf-8"?>
 <p:notesMaster xmlns:a="http://schemas.openxmlformats.org/drawingml/2006/main" xmlns:r="http://schemas.openxmlformats.org/officeDocument/2006/relationships" xmlns:p="http://schemas.openxmlformats.org/presentationml/2006/main">
   <p:cSld>
@@ -329,7 +325,7 @@
               <a:pPr>
                 <a:defRPr/>
               </a:pPr>
-              <a:t>2018/2/5</a:t>
+              <a:t>2019/7/16</a:t>
             </a:fld>
             <a:endParaRPr lang="zh-CN" altLang="en-US"/>
           </a:p>
@@ -7607,7 +7603,7 @@
           <a:graphicData uri="http://schemas.openxmlformats.org/presentationml/2006/ole">
             <mc:AlternateContent xmlns:mc="http://schemas.openxmlformats.org/markup-compatibility/2006">
               <mc:Choice xmlns:v="urn:schemas-microsoft-com:vml" Requires="v">
-                <p:oleObj spid="_x0000_s84995" r:id="rId4" imgW="6824520" imgH="1076040" progId="">
+                <p:oleObj spid="_x0000_s84996" r:id="rId4" imgW="6824520" imgH="1076040" progId="">
                   <p:embed/>
                 </p:oleObj>
               </mc:Choice>
@@ -8078,7 +8074,7 @@
               <a:pPr>
                 <a:defRPr/>
               </a:pPr>
-              <a:t>2018/2/5</a:t>
+              <a:t>2019/7/16</a:t>
             </a:fld>
             <a:endParaRPr lang="zh-CN" altLang="en-US"/>
           </a:p>
@@ -8301,7 +8297,7 @@
               <a:pPr>
                 <a:defRPr/>
               </a:pPr>
-              <a:t>2018/2/5</a:t>
+              <a:t>2019/7/16</a:t>
             </a:fld>
             <a:endParaRPr lang="zh-CN" altLang="en-US"/>
           </a:p>
@@ -8490,7 +8486,7 @@
           <a:graphicData uri="http://schemas.openxmlformats.org/presentationml/2006/ole">
             <mc:AlternateContent xmlns:mc="http://schemas.openxmlformats.org/markup-compatibility/2006">
               <mc:Choice xmlns:v="urn:schemas-microsoft-com:vml" Requires="v">
-                <p:oleObj spid="_x0000_s90115" r:id="rId4" imgW="6824520" imgH="1076040" progId="">
+                <p:oleObj spid="_x0000_s90116" r:id="rId4" imgW="6824520" imgH="1076040" progId="">
                   <p:embed/>
                 </p:oleObj>
               </mc:Choice>
@@ -9076,7 +9072,7 @@
           <a:graphicData uri="http://schemas.openxmlformats.org/presentationml/2006/ole">
             <mc:AlternateContent xmlns:mc="http://schemas.openxmlformats.org/markup-compatibility/2006">
               <mc:Choice xmlns:v="urn:schemas-microsoft-com:vml" Requires="v">
-                <p:oleObj spid="_x0000_s91139" r:id="rId4" imgW="6824520" imgH="1076040" progId="">
+                <p:oleObj spid="_x0000_s91140" r:id="rId4" imgW="6824520" imgH="1076040" progId="">
                   <p:embed/>
                 </p:oleObj>
               </mc:Choice>
@@ -9687,7 +9683,7 @@
           <a:graphicData uri="http://schemas.openxmlformats.org/presentationml/2006/ole">
             <mc:AlternateContent xmlns:mc="http://schemas.openxmlformats.org/markup-compatibility/2006">
               <mc:Choice xmlns:v="urn:schemas-microsoft-com:vml" Requires="v">
-                <p:oleObj spid="_x0000_s86019" r:id="rId4" imgW="6824520" imgH="1076040" progId="">
+                <p:oleObj spid="_x0000_s86020" r:id="rId4" imgW="6824520" imgH="1076040" progId="">
                   <p:embed/>
                 </p:oleObj>
               </mc:Choice>
@@ -10256,7 +10252,7 @@
           <a:graphicData uri="http://schemas.openxmlformats.org/presentationml/2006/ole">
             <mc:AlternateContent xmlns:mc="http://schemas.openxmlformats.org/markup-compatibility/2006">
               <mc:Choice xmlns:v="urn:schemas-microsoft-com:vml" Requires="v">
-                <p:oleObj spid="_x0000_s87043" r:id="rId4" imgW="6824520" imgH="1076040" progId="">
+                <p:oleObj spid="_x0000_s87044" r:id="rId4" imgW="6824520" imgH="1076040" progId="">
                   <p:embed/>
                 </p:oleObj>
               </mc:Choice>
@@ -10809,7 +10805,7 @@
           <a:graphicData uri="http://schemas.openxmlformats.org/presentationml/2006/ole">
             <mc:AlternateContent xmlns:mc="http://schemas.openxmlformats.org/markup-compatibility/2006">
               <mc:Choice xmlns:v="urn:schemas-microsoft-com:vml" Requires="v">
-                <p:oleObj spid="_x0000_s88067" r:id="rId4" imgW="6824520" imgH="1076040" progId="">
+                <p:oleObj spid="_x0000_s88068" r:id="rId4" imgW="6824520" imgH="1076040" progId="">
                   <p:embed/>
                 </p:oleObj>
               </mc:Choice>
@@ -11370,7 +11366,7 @@
               <a:pPr>
                 <a:defRPr/>
               </a:pPr>
-              <a:t>2018/2/5</a:t>
+              <a:t>2019/7/16</a:t>
             </a:fld>
             <a:endParaRPr lang="zh-CN" altLang="en-US"/>
           </a:p>
@@ -11834,7 +11830,7 @@
               <a:pPr>
                 <a:defRPr/>
               </a:pPr>
-              <a:t>2018/2/5</a:t>
+              <a:t>2019/7/16</a:t>
             </a:fld>
             <a:endParaRPr lang="zh-CN" altLang="en-US"/>
           </a:p>
@@ -12023,7 +12019,7 @@
           <a:graphicData uri="http://schemas.openxmlformats.org/presentationml/2006/ole">
             <mc:AlternateContent xmlns:mc="http://schemas.openxmlformats.org/markup-compatibility/2006">
               <mc:Choice xmlns:v="urn:schemas-microsoft-com:vml" Requires="v">
-                <p:oleObj spid="_x0000_s89091" r:id="rId4" imgW="6824520" imgH="1076040" progId="">
+                <p:oleObj spid="_x0000_s89092" r:id="rId4" imgW="6824520" imgH="1076040" progId="">
                   <p:embed/>
                 </p:oleObj>
               </mc:Choice>
@@ -12416,7 +12412,7 @@
               <a:pPr>
                 <a:defRPr/>
               </a:pPr>
-              <a:t>2018/2/5</a:t>
+              <a:t>2019/7/16</a:t>
             </a:fld>
             <a:endParaRPr lang="zh-CN" altLang="en-US"/>
           </a:p>
@@ -12556,7 +12552,7 @@
               <a:pPr>
                 <a:defRPr/>
               </a:pPr>
-              <a:t>2018/2/5</a:t>
+              <a:t>2019/7/16</a:t>
             </a:fld>
             <a:endParaRPr lang="zh-CN" altLang="en-US"/>
           </a:p>
@@ -12876,7 +12872,7 @@
               <a:pPr>
                 <a:defRPr/>
               </a:pPr>
-              <a:t>2018/2/5</a:t>
+              <a:t>2019/7/16</a:t>
             </a:fld>
             <a:endParaRPr lang="zh-CN" altLang="en-US"/>
           </a:p>
@@ -13176,7 +13172,7 @@
               <a:pPr>
                 <a:defRPr/>
               </a:pPr>
-              <a:t>2018/2/5</a:t>
+              <a:t>2019/7/16</a:t>
             </a:fld>
             <a:endParaRPr lang="zh-CN" altLang="en-US"/>
           </a:p>
@@ -13562,7 +13558,7 @@
               <a:pPr>
                 <a:defRPr/>
               </a:pPr>
-              <a:t>2018/2/5</a:t>
+              <a:t>2019/7/16</a:t>
             </a:fld>
             <a:endParaRPr lang="zh-CN" altLang="en-US"/>
           </a:p>
@@ -13696,7 +13692,7 @@
           <a:graphicData uri="http://schemas.openxmlformats.org/presentationml/2006/ole">
             <mc:AlternateContent xmlns:mc="http://schemas.openxmlformats.org/markup-compatibility/2006">
               <mc:Choice xmlns:v="urn:schemas-microsoft-com:vml" Requires="v">
-                <p:oleObj spid="_x0000_s1034" r:id="rId17" imgW="6824520" imgH="1076040" progId="">
+                <p:oleObj spid="_x0000_s1035" r:id="rId17" imgW="6824520" imgH="1076040" progId="">
                   <p:embed/>
                 </p:oleObj>
               </mc:Choice>
@@ -17941,10 +17937,10 @@
               </a:buBlip>
             </a:pPr>
             <a:r>
-              <a:rPr lang="zh-CN" altLang="en-US"/>
+              <a:rPr lang="zh-CN" altLang="en-US" dirty="0"/>
               <a:t>课程内容</a:t>
             </a:r>
-            <a:endParaRPr lang="en-US" altLang="zh-CN"/>
+            <a:endParaRPr lang="en-US" altLang="zh-CN" dirty="0"/>
           </a:p>
           <a:p>
             <a:pPr lvl="1">
@@ -17954,10 +17950,10 @@
               </a:buBlip>
             </a:pPr>
             <a:r>
-              <a:rPr lang="zh-CN" altLang="en-US"/>
+              <a:rPr lang="zh-CN" altLang="en-US" dirty="0"/>
               <a:t>插件技术背景</a:t>
             </a:r>
-            <a:endParaRPr lang="en-US" altLang="zh-CN"/>
+            <a:endParaRPr lang="en-US" altLang="zh-CN" dirty="0"/>
           </a:p>
           <a:p>
             <a:pPr lvl="1">
@@ -17967,18 +17963,18 @@
               </a:buBlip>
             </a:pPr>
             <a:r>
-              <a:rPr lang="zh-CN" altLang="en-US"/>
+              <a:rPr lang="zh-CN" altLang="en-US" dirty="0"/>
               <a:t>插件机制（</a:t>
             </a:r>
             <a:r>
-              <a:rPr lang="en-US" altLang="zh-CN"/>
+              <a:rPr lang="en-US" altLang="zh-CN" dirty="0"/>
               <a:t>Mechanism</a:t>
             </a:r>
             <a:r>
-              <a:rPr lang="zh-CN" altLang="en-US"/>
+              <a:rPr lang="zh-CN" altLang="en-US" dirty="0"/>
               <a:t>）</a:t>
             </a:r>
-            <a:endParaRPr lang="en-US" altLang="zh-CN"/>
+            <a:endParaRPr lang="en-US" altLang="zh-CN" dirty="0"/>
           </a:p>
           <a:p>
             <a:pPr lvl="1">
@@ -17988,26 +17984,26 @@
               </a:buBlip>
             </a:pPr>
             <a:r>
-              <a:rPr lang="zh-CN" altLang="en-US"/>
+              <a:rPr lang="zh-CN" altLang="en-US" dirty="0"/>
               <a:t>插件技术基础</a:t>
             </a:r>
             <a:r>
-              <a:rPr lang="en-US" altLang="zh-CN"/>
+              <a:rPr lang="en-US" altLang="zh-CN" dirty="0"/>
               <a:t>——</a:t>
             </a:r>
             <a:r>
-              <a:rPr lang="zh-CN" altLang="en-US"/>
+              <a:rPr lang="zh-CN" altLang="en-US" dirty="0"/>
               <a:t>动态链接库（</a:t>
             </a:r>
             <a:r>
-              <a:rPr lang="en-US" altLang="zh-CN"/>
+              <a:rPr lang="en-US" altLang="zh-CN" dirty="0"/>
               <a:t>DLL</a:t>
             </a:r>
             <a:r>
-              <a:rPr lang="zh-CN" altLang="en-US"/>
+              <a:rPr lang="zh-CN" altLang="en-US" dirty="0"/>
               <a:t>）</a:t>
             </a:r>
-            <a:endParaRPr lang="en-US" altLang="zh-CN"/>
+            <a:endParaRPr lang="en-US" altLang="zh-CN" dirty="0"/>
           </a:p>
           <a:p>
             <a:pPr lvl="1">
@@ -18018,7 +18014,7 @@
             </a:pPr>
             <a:r>
               <a:rPr lang="zh-CN" altLang="en-US"/>
-              <a:t>基于插件技术的系统案例</a:t>
+              <a:t>基于插件技术的系统案例 </a:t>
             </a:r>
             <a:endParaRPr lang="en-US" altLang="zh-CN"/>
           </a:p>
